--- a/doc/Report.pptx
+++ b/doc/Report.pptx
@@ -261,7 +261,7 @@
           <a:p>
             <a:fld id="{96E9B245-2076-40CB-ACDE-D58775C98695}" type="datetimeFigureOut">
               <a:rPr lang="ko-KR" altLang="en-US" smtClean="0"/>
-              <a:t>2020-11-22</a:t>
+              <a:t>2020-11-27</a:t>
             </a:fld>
             <a:endParaRPr lang="ko-KR" altLang="en-US"/>
           </a:p>
@@ -459,7 +459,7 @@
           <a:p>
             <a:fld id="{96E9B245-2076-40CB-ACDE-D58775C98695}" type="datetimeFigureOut">
               <a:rPr lang="ko-KR" altLang="en-US" smtClean="0"/>
-              <a:t>2020-11-22</a:t>
+              <a:t>2020-11-27</a:t>
             </a:fld>
             <a:endParaRPr lang="ko-KR" altLang="en-US"/>
           </a:p>
@@ -667,7 +667,7 @@
           <a:p>
             <a:fld id="{96E9B245-2076-40CB-ACDE-D58775C98695}" type="datetimeFigureOut">
               <a:rPr lang="ko-KR" altLang="en-US" smtClean="0"/>
-              <a:t>2020-11-22</a:t>
+              <a:t>2020-11-27</a:t>
             </a:fld>
             <a:endParaRPr lang="ko-KR" altLang="en-US"/>
           </a:p>
@@ -865,7 +865,7 @@
           <a:p>
             <a:fld id="{96E9B245-2076-40CB-ACDE-D58775C98695}" type="datetimeFigureOut">
               <a:rPr lang="ko-KR" altLang="en-US" smtClean="0"/>
-              <a:t>2020-11-22</a:t>
+              <a:t>2020-11-27</a:t>
             </a:fld>
             <a:endParaRPr lang="ko-KR" altLang="en-US"/>
           </a:p>
@@ -1140,7 +1140,7 @@
           <a:p>
             <a:fld id="{96E9B245-2076-40CB-ACDE-D58775C98695}" type="datetimeFigureOut">
               <a:rPr lang="ko-KR" altLang="en-US" smtClean="0"/>
-              <a:t>2020-11-22</a:t>
+              <a:t>2020-11-27</a:t>
             </a:fld>
             <a:endParaRPr lang="ko-KR" altLang="en-US"/>
           </a:p>
@@ -1405,7 +1405,7 @@
           <a:p>
             <a:fld id="{96E9B245-2076-40CB-ACDE-D58775C98695}" type="datetimeFigureOut">
               <a:rPr lang="ko-KR" altLang="en-US" smtClean="0"/>
-              <a:t>2020-11-22</a:t>
+              <a:t>2020-11-27</a:t>
             </a:fld>
             <a:endParaRPr lang="ko-KR" altLang="en-US"/>
           </a:p>
@@ -1817,7 +1817,7 @@
           <a:p>
             <a:fld id="{96E9B245-2076-40CB-ACDE-D58775C98695}" type="datetimeFigureOut">
               <a:rPr lang="ko-KR" altLang="en-US" smtClean="0"/>
-              <a:t>2020-11-22</a:t>
+              <a:t>2020-11-27</a:t>
             </a:fld>
             <a:endParaRPr lang="ko-KR" altLang="en-US"/>
           </a:p>
@@ -1958,7 +1958,7 @@
           <a:p>
             <a:fld id="{96E9B245-2076-40CB-ACDE-D58775C98695}" type="datetimeFigureOut">
               <a:rPr lang="ko-KR" altLang="en-US" smtClean="0"/>
-              <a:t>2020-11-22</a:t>
+              <a:t>2020-11-27</a:t>
             </a:fld>
             <a:endParaRPr lang="ko-KR" altLang="en-US"/>
           </a:p>
@@ -2071,7 +2071,7 @@
           <a:p>
             <a:fld id="{96E9B245-2076-40CB-ACDE-D58775C98695}" type="datetimeFigureOut">
               <a:rPr lang="ko-KR" altLang="en-US" smtClean="0"/>
-              <a:t>2020-11-22</a:t>
+              <a:t>2020-11-27</a:t>
             </a:fld>
             <a:endParaRPr lang="ko-KR" altLang="en-US"/>
           </a:p>
@@ -2382,7 +2382,7 @@
           <a:p>
             <a:fld id="{96E9B245-2076-40CB-ACDE-D58775C98695}" type="datetimeFigureOut">
               <a:rPr lang="ko-KR" altLang="en-US" smtClean="0"/>
-              <a:t>2020-11-22</a:t>
+              <a:t>2020-11-27</a:t>
             </a:fld>
             <a:endParaRPr lang="ko-KR" altLang="en-US"/>
           </a:p>
@@ -2670,7 +2670,7 @@
           <a:p>
             <a:fld id="{96E9B245-2076-40CB-ACDE-D58775C98695}" type="datetimeFigureOut">
               <a:rPr lang="ko-KR" altLang="en-US" smtClean="0"/>
-              <a:t>2020-11-22</a:t>
+              <a:t>2020-11-27</a:t>
             </a:fld>
             <a:endParaRPr lang="ko-KR" altLang="en-US"/>
           </a:p>
@@ -2911,7 +2911,7 @@
           <a:p>
             <a:fld id="{96E9B245-2076-40CB-ACDE-D58775C98695}" type="datetimeFigureOut">
               <a:rPr lang="ko-KR" altLang="en-US" smtClean="0"/>
-              <a:t>2020-11-22</a:t>
+              <a:t>2020-11-27</a:t>
             </a:fld>
             <a:endParaRPr lang="ko-KR" altLang="en-US"/>
           </a:p>
@@ -3498,7 +3498,20 @@
                 <a:latin typeface="HY헤드라인M" panose="02030600000101010101" pitchFamily="18" charset="-127"/>
                 <a:ea typeface="HY헤드라인M" panose="02030600000101010101" pitchFamily="18" charset="-127"/>
               </a:rPr>
-              <a:t>:</a:t>
+              <a:t>: </a:t>
+            </a:r>
+            <a:r>
+              <a:rPr lang="ko-KR" altLang="en-US" dirty="0">
+                <a:solidFill>
+                  <a:schemeClr val="tx1">
+                    <a:lumMod val="85000"/>
+                    <a:lumOff val="15000"/>
+                  </a:schemeClr>
+                </a:solidFill>
+                <a:latin typeface="HY헤드라인M" panose="02030600000101010101" pitchFamily="18" charset="-127"/>
+                <a:ea typeface="HY헤드라인M" panose="02030600000101010101" pitchFamily="18" charset="-127"/>
+              </a:rPr>
+              <a:t>김은숙</a:t>
             </a:r>
             <a:r>
               <a:rPr lang="en-US" altLang="ko-KR" dirty="0">
@@ -4510,7 +4523,7 @@
                 </a:solidFill>
                 <a:latin typeface="+mn-ea"/>
               </a:rPr>
-              <a:t>여기에 아이디어를 자유롭게 작성해보세요</a:t>
+              <a:t>다양한 연예인들의 사진을 모델로 삼아 자신이 어떤 연예인과 얼마나 닮았는지 알 수 있다</a:t>
             </a:r>
             <a:r>
               <a:rPr lang="en-US" altLang="ko-KR" sz="1600" dirty="0">
@@ -4521,7 +4534,7 @@
                 </a:solidFill>
                 <a:latin typeface="+mn-ea"/>
               </a:rPr>
-              <a:t>.</a:t>
+              <a:t>..</a:t>
             </a:r>
             <a:endParaRPr lang="ko-KR" altLang="en-US" sz="1600" dirty="0">
               <a:solidFill>
@@ -4644,7 +4657,7 @@
         <p:spPr>
           <a:xfrm>
             <a:off x="376335" y="1077942"/>
-            <a:ext cx="11439332" cy="1077218"/>
+            <a:ext cx="11439332" cy="1323439"/>
           </a:xfrm>
           <a:prstGeom prst="rect">
             <a:avLst/>
@@ -4657,18 +4670,9 @@
           </a:bodyPr>
           <a:lstStyle/>
           <a:p>
-            <a:r>
-              <a:rPr lang="en-US" altLang="ko-KR" sz="1600" dirty="0">
-                <a:solidFill>
-                  <a:schemeClr val="tx1">
-                    <a:lumMod val="85000"/>
-                    <a:lumOff val="15000"/>
-                  </a:schemeClr>
-                </a:solidFill>
-                <a:latin typeface="+mn-ea"/>
-              </a:rPr>
-              <a:t>1. </a:t>
-            </a:r>
+            <a:pPr marL="342900" indent="-342900">
+              <a:buAutoNum type="arabicPeriod"/>
+            </a:pPr>
             <a:r>
               <a:rPr lang="ko-KR" altLang="en-US" sz="1600" dirty="0">
                 <a:solidFill>
@@ -4715,6 +4719,18 @@
                 <a:latin typeface="+mn-ea"/>
               </a:rPr>
             </a:br>
+            <a:r>
+              <a:rPr lang="ko-KR" altLang="en-US" sz="1600" dirty="0" err="1">
+                <a:solidFill>
+                  <a:schemeClr val="tx1">
+                    <a:lumMod val="85000"/>
+                    <a:lumOff val="15000"/>
+                  </a:schemeClr>
+                </a:solidFill>
+                <a:latin typeface="+mn-ea"/>
+              </a:rPr>
+              <a:t>비스무리</a:t>
+            </a:r>
             <a:br>
               <a:rPr lang="en-US" altLang="ko-KR" sz="1600" dirty="0">
                 <a:solidFill>
@@ -4749,6 +4765,65 @@
                 <a:latin typeface="+mn-ea"/>
               </a:rPr>
               <a:t>생성한 모델에 대해서 설명하세요</a:t>
+            </a:r>
+            <a:endParaRPr lang="en-US" altLang="ko-KR" sz="1600" dirty="0">
+              <a:solidFill>
+                <a:schemeClr val="tx1">
+                  <a:lumMod val="85000"/>
+                  <a:lumOff val="15000"/>
+                </a:schemeClr>
+              </a:solidFill>
+              <a:latin typeface="+mn-ea"/>
+            </a:endParaRPr>
+          </a:p>
+          <a:p>
+            <a:r>
+              <a:rPr lang="en-US" altLang="ko-KR" sz="1600" dirty="0">
+                <a:solidFill>
+                  <a:schemeClr val="tx1">
+                    <a:lumMod val="85000"/>
+                    <a:lumOff val="15000"/>
+                  </a:schemeClr>
+                </a:solidFill>
+                <a:latin typeface="+mn-ea"/>
+              </a:rPr>
+              <a:t>2. </a:t>
+            </a:r>
+            <a:r>
+              <a:rPr lang="ko-KR" altLang="en-US" sz="1600" dirty="0">
+                <a:solidFill>
+                  <a:schemeClr val="tx1">
+                    <a:lumMod val="85000"/>
+                    <a:lumOff val="15000"/>
+                  </a:schemeClr>
+                </a:solidFill>
+                <a:latin typeface="+mn-ea"/>
+              </a:rPr>
+              <a:t>다양한 연예인의 사진을 바탕으로 자신이 고양이 상</a:t>
+            </a:r>
+            <a:r>
+              <a:rPr lang="en-US" altLang="ko-KR" sz="1600" dirty="0">
+                <a:solidFill>
+                  <a:schemeClr val="tx1">
+                    <a:lumMod val="85000"/>
+                    <a:lumOff val="15000"/>
+                  </a:schemeClr>
+                </a:solidFill>
+                <a:latin typeface="+mn-ea"/>
+              </a:rPr>
+              <a:t>, </a:t>
+            </a:r>
+            <a:r>
+              <a:rPr lang="ko-KR" altLang="en-US" sz="1600" dirty="0">
+                <a:solidFill>
+                  <a:schemeClr val="tx1">
+                    <a:lumMod val="85000"/>
+                    <a:lumOff val="15000"/>
+                  </a:schemeClr>
+                </a:solidFill>
+                <a:latin typeface="+mn-ea"/>
+              </a:rPr>
+              <a:t>강아지 상 등 어떤 연예인을 닮았는지 알 수 있다</a:t>
             </a:r>
             <a:r>
               <a:rPr lang="en-US" altLang="ko-KR" sz="1600" dirty="0">
@@ -4971,8 +5046,60 @@
                 </a:solidFill>
                 <a:latin typeface="+mn-ea"/>
               </a:rPr>
-              <a:t>: https://</a:t>
-            </a:r>
+              <a:t>: </a:t>
+            </a:r>
+            <a:r>
+              <a:rPr lang="en-US" altLang="ko-KR" sz="2000">
+                <a:solidFill>
+                  <a:schemeClr val="tx1">
+                    <a:lumMod val="85000"/>
+                    <a:lumOff val="15000"/>
+                  </a:schemeClr>
+                </a:solidFill>
+                <a:latin typeface="+mn-ea"/>
+              </a:rPr>
+              <a:t>https://github.com/kuskus0625/Tm</a:t>
+            </a:r>
+            <a:endParaRPr lang="ko-KR" altLang="en-US" sz="2000" dirty="0">
+              <a:solidFill>
+                <a:schemeClr val="tx1">
+                  <a:lumMod val="85000"/>
+                  <a:lumOff val="15000"/>
+                </a:schemeClr>
+              </a:solidFill>
+              <a:latin typeface="+mn-ea"/>
+            </a:endParaRPr>
+          </a:p>
+        </p:txBody>
+      </p:sp>
+      <p:sp>
+        <p:nvSpPr>
+          <p:cNvPr id="7" name="TextBox 6">
+            <a:extLst>
+              <a:ext uri="{FF2B5EF4-FFF2-40B4-BE49-F238E27FC236}">
+                <a16:creationId xmlns:a16="http://schemas.microsoft.com/office/drawing/2014/main" id="{6FA7E8CA-481C-4A7E-BF5B-0E218B2C159E}"/>
+              </a:ext>
+            </a:extLst>
+          </p:cNvPr>
+          <p:cNvSpPr txBox="1"/>
+          <p:nvPr/>
+        </p:nvSpPr>
+        <p:spPr>
+          <a:xfrm>
+            <a:off x="482083" y="6195727"/>
+            <a:ext cx="11439332" cy="400110"/>
+          </a:xfrm>
+          <a:prstGeom prst="rect">
+            <a:avLst/>
+          </a:prstGeom>
+          <a:noFill/>
+        </p:spPr>
+        <p:txBody>
+          <a:bodyPr wrap="square" rtlCol="0">
+            <a:spAutoFit/>
+          </a:bodyPr>
+          <a:lstStyle/>
+          <a:p>
             <a:endParaRPr lang="ko-KR" altLang="en-US" sz="2000" dirty="0">
               <a:solidFill>
                 <a:schemeClr val="tx1">
